--- a/doc/Data.pptx
+++ b/doc/Data.pptx
@@ -5,8 +5,7 @@
     <p:sldMasterId id="2147483648" r:id="rId1"/>
   </p:sldMasterIdLst>
   <p:sldIdLst>
-    <p:sldId id="256" r:id="rId2"/>
-    <p:sldId id="257" r:id="rId3"/>
+    <p:sldId id="257" r:id="rId2"/>
   </p:sldIdLst>
   <p:sldSz cx="12192000" cy="6858000"/>
   <p:notesSz cx="6858000" cy="9144000"/>
@@ -105,6 +104,11 @@
       </a:defRPr>
     </a:lvl9pPr>
   </p:defaultTextStyle>
+  <p:extLst>
+    <p:ext uri="{EFAFB233-063F-42B5-8137-9DF3F51BA10A}">
+      <p15:sldGuideLst xmlns:p15="http://schemas.microsoft.com/office/powerpoint/2012/main"/>
+    </p:ext>
+  </p:extLst>
 </p:presentation>
 </file>
 
@@ -239,7 +243,7 @@
           <a:p>
             <a:fld id="{EB85C7B0-6158-4E7C-B516-637FC97AC2B6}" type="datetimeFigureOut">
               <a:rPr lang="vi-VN" smtClean="0"/>
-              <a:t>02/10/2021</a:t>
+              <a:t>03/10/2021</a:t>
             </a:fld>
             <a:endParaRPr lang="vi-VN"/>
           </a:p>
@@ -409,7 +413,7 @@
           <a:p>
             <a:fld id="{EB85C7B0-6158-4E7C-B516-637FC97AC2B6}" type="datetimeFigureOut">
               <a:rPr lang="vi-VN" smtClean="0"/>
-              <a:t>02/10/2021</a:t>
+              <a:t>03/10/2021</a:t>
             </a:fld>
             <a:endParaRPr lang="vi-VN"/>
           </a:p>
@@ -589,7 +593,7 @@
           <a:p>
             <a:fld id="{EB85C7B0-6158-4E7C-B516-637FC97AC2B6}" type="datetimeFigureOut">
               <a:rPr lang="vi-VN" smtClean="0"/>
-              <a:t>02/10/2021</a:t>
+              <a:t>03/10/2021</a:t>
             </a:fld>
             <a:endParaRPr lang="vi-VN"/>
           </a:p>
@@ -759,7 +763,7 @@
           <a:p>
             <a:fld id="{EB85C7B0-6158-4E7C-B516-637FC97AC2B6}" type="datetimeFigureOut">
               <a:rPr lang="vi-VN" smtClean="0"/>
-              <a:t>02/10/2021</a:t>
+              <a:t>03/10/2021</a:t>
             </a:fld>
             <a:endParaRPr lang="vi-VN"/>
           </a:p>
@@ -1005,7 +1009,7 @@
           <a:p>
             <a:fld id="{EB85C7B0-6158-4E7C-B516-637FC97AC2B6}" type="datetimeFigureOut">
               <a:rPr lang="vi-VN" smtClean="0"/>
-              <a:t>02/10/2021</a:t>
+              <a:t>03/10/2021</a:t>
             </a:fld>
             <a:endParaRPr lang="vi-VN"/>
           </a:p>
@@ -1237,7 +1241,7 @@
           <a:p>
             <a:fld id="{EB85C7B0-6158-4E7C-B516-637FC97AC2B6}" type="datetimeFigureOut">
               <a:rPr lang="vi-VN" smtClean="0"/>
-              <a:t>02/10/2021</a:t>
+              <a:t>03/10/2021</a:t>
             </a:fld>
             <a:endParaRPr lang="vi-VN"/>
           </a:p>
@@ -1604,7 +1608,7 @@
           <a:p>
             <a:fld id="{EB85C7B0-6158-4E7C-B516-637FC97AC2B6}" type="datetimeFigureOut">
               <a:rPr lang="vi-VN" smtClean="0"/>
-              <a:t>02/10/2021</a:t>
+              <a:t>03/10/2021</a:t>
             </a:fld>
             <a:endParaRPr lang="vi-VN"/>
           </a:p>
@@ -1722,7 +1726,7 @@
           <a:p>
             <a:fld id="{EB85C7B0-6158-4E7C-B516-637FC97AC2B6}" type="datetimeFigureOut">
               <a:rPr lang="vi-VN" smtClean="0"/>
-              <a:t>02/10/2021</a:t>
+              <a:t>03/10/2021</a:t>
             </a:fld>
             <a:endParaRPr lang="vi-VN"/>
           </a:p>
@@ -1817,7 +1821,7 @@
           <a:p>
             <a:fld id="{EB85C7B0-6158-4E7C-B516-637FC97AC2B6}" type="datetimeFigureOut">
               <a:rPr lang="vi-VN" smtClean="0"/>
-              <a:t>02/10/2021</a:t>
+              <a:t>03/10/2021</a:t>
             </a:fld>
             <a:endParaRPr lang="vi-VN"/>
           </a:p>
@@ -2094,7 +2098,7 @@
           <a:p>
             <a:fld id="{EB85C7B0-6158-4E7C-B516-637FC97AC2B6}" type="datetimeFigureOut">
               <a:rPr lang="vi-VN" smtClean="0"/>
-              <a:t>02/10/2021</a:t>
+              <a:t>03/10/2021</a:t>
             </a:fld>
             <a:endParaRPr lang="vi-VN"/>
           </a:p>
@@ -2347,7 +2351,7 @@
           <a:p>
             <a:fld id="{EB85C7B0-6158-4E7C-B516-637FC97AC2B6}" type="datetimeFigureOut">
               <a:rPr lang="vi-VN" smtClean="0"/>
-              <a:t>02/10/2021</a:t>
+              <a:t>03/10/2021</a:t>
             </a:fld>
             <a:endParaRPr lang="vi-VN"/>
           </a:p>
@@ -2560,7 +2564,7 @@
           <a:p>
             <a:fld id="{EB85C7B0-6158-4E7C-B516-637FC97AC2B6}" type="datetimeFigureOut">
               <a:rPr lang="vi-VN" smtClean="0"/>
-              <a:t>02/10/2021</a:t>
+              <a:t>03/10/2021</a:t>
             </a:fld>
             <a:endParaRPr lang="vi-VN"/>
           </a:p>
@@ -2967,74 +2971,6 @@
       </p:grpSpPr>
       <p:sp>
         <p:nvSpPr>
-          <p:cNvPr id="2" name="Title 1"/>
-          <p:cNvSpPr>
-            <a:spLocks noGrp="1"/>
-          </p:cNvSpPr>
-          <p:nvPr>
-            <p:ph type="ctrTitle"/>
-          </p:nvPr>
-        </p:nvSpPr>
-        <p:spPr/>
-        <p:txBody>
-          <a:bodyPr/>
-          <a:lstStyle/>
-          <a:p>
-            <a:endParaRPr lang="vi-VN"/>
-          </a:p>
-        </p:txBody>
-      </p:sp>
-      <p:sp>
-        <p:nvSpPr>
-          <p:cNvPr id="3" name="Subtitle 2"/>
-          <p:cNvSpPr>
-            <a:spLocks noGrp="1"/>
-          </p:cNvSpPr>
-          <p:nvPr>
-            <p:ph type="subTitle" idx="1"/>
-          </p:nvPr>
-        </p:nvSpPr>
-        <p:spPr/>
-        <p:txBody>
-          <a:bodyPr/>
-          <a:lstStyle/>
-          <a:p>
-            <a:endParaRPr lang="vi-VN"/>
-          </a:p>
-        </p:txBody>
-      </p:sp>
-    </p:spTree>
-    <p:extLst>
-      <p:ext uri="{BB962C8B-B14F-4D97-AF65-F5344CB8AC3E}">
-        <p14:creationId xmlns:p14="http://schemas.microsoft.com/office/powerpoint/2010/main" val="3870373744"/>
-      </p:ext>
-    </p:extLst>
-  </p:cSld>
-  <p:clrMapOvr>
-    <a:masterClrMapping/>
-  </p:clrMapOvr>
-</p:sld>
-</file>
-
-<file path=ppt/slides/slide2.xml><?xml version="1.0" encoding="utf-8"?>
-<p:sld xmlns:a="http://schemas.openxmlformats.org/drawingml/2006/main" xmlns:r="http://schemas.openxmlformats.org/officeDocument/2006/relationships" xmlns:p="http://schemas.openxmlformats.org/presentationml/2006/main">
-  <p:cSld>
-    <p:spTree>
-      <p:nvGrpSpPr>
-        <p:cNvPr id="1" name=""/>
-        <p:cNvGrpSpPr/>
-        <p:nvPr/>
-      </p:nvGrpSpPr>
-      <p:grpSpPr>
-        <a:xfrm>
-          <a:off x="0" y="0"/>
-          <a:ext cx="0" cy="0"/>
-          <a:chOff x="0" y="0"/>
-          <a:chExt cx="0" cy="0"/>
-        </a:xfrm>
-      </p:grpSpPr>
-      <p:sp>
-        <p:nvSpPr>
           <p:cNvPr id="5" name="Rectangle 4"/>
           <p:cNvSpPr/>
           <p:nvPr/>
@@ -3300,6 +3236,12 @@
           <a:prstGeom prst="rect">
             <a:avLst/>
           </a:prstGeom>
+          <a:solidFill>
+            <a:schemeClr val="accent2">
+              <a:lumMod val="40000"/>
+              <a:lumOff val="60000"/>
+            </a:schemeClr>
+          </a:solidFill>
         </p:spPr>
         <p:style>
           <a:lnRef idx="2">
@@ -3454,6 +3396,12 @@
           <a:prstGeom prst="rect">
             <a:avLst/>
           </a:prstGeom>
+          <a:solidFill>
+            <a:schemeClr val="accent2">
+              <a:lumMod val="40000"/>
+              <a:lumOff val="60000"/>
+            </a:schemeClr>
+          </a:solidFill>
         </p:spPr>
         <p:style>
           <a:lnRef idx="2">
@@ -3537,6 +3485,12 @@
           <a:prstGeom prst="rect">
             <a:avLst/>
           </a:prstGeom>
+          <a:solidFill>
+            <a:schemeClr val="accent2">
+              <a:lumMod val="40000"/>
+              <a:lumOff val="60000"/>
+            </a:schemeClr>
+          </a:solidFill>
         </p:spPr>
         <p:style>
           <a:lnRef idx="2">
@@ -3631,8 +3585,8 @@
         </p:nvCxnSpPr>
         <p:spPr>
           <a:xfrm flipV="1">
-            <a:off x="6490569" y="1827995"/>
-            <a:ext cx="860121" cy="1165860"/>
+            <a:off x="6490569" y="1930599"/>
+            <a:ext cx="860121" cy="1063256"/>
           </a:xfrm>
           <a:prstGeom prst="line">
             <a:avLst/>

--- a/doc/Data.pptx
+++ b/doc/Data.pptx
@@ -243,7 +243,7 @@
           <a:p>
             <a:fld id="{EB85C7B0-6158-4E7C-B516-637FC97AC2B6}" type="datetimeFigureOut">
               <a:rPr lang="vi-VN" smtClean="0"/>
-              <a:t>03/10/2021</a:t>
+              <a:t>04/10/2021</a:t>
             </a:fld>
             <a:endParaRPr lang="vi-VN"/>
           </a:p>
@@ -413,7 +413,7 @@
           <a:p>
             <a:fld id="{EB85C7B0-6158-4E7C-B516-637FC97AC2B6}" type="datetimeFigureOut">
               <a:rPr lang="vi-VN" smtClean="0"/>
-              <a:t>03/10/2021</a:t>
+              <a:t>04/10/2021</a:t>
             </a:fld>
             <a:endParaRPr lang="vi-VN"/>
           </a:p>
@@ -593,7 +593,7 @@
           <a:p>
             <a:fld id="{EB85C7B0-6158-4E7C-B516-637FC97AC2B6}" type="datetimeFigureOut">
               <a:rPr lang="vi-VN" smtClean="0"/>
-              <a:t>03/10/2021</a:t>
+              <a:t>04/10/2021</a:t>
             </a:fld>
             <a:endParaRPr lang="vi-VN"/>
           </a:p>
@@ -763,7 +763,7 @@
           <a:p>
             <a:fld id="{EB85C7B0-6158-4E7C-B516-637FC97AC2B6}" type="datetimeFigureOut">
               <a:rPr lang="vi-VN" smtClean="0"/>
-              <a:t>03/10/2021</a:t>
+              <a:t>04/10/2021</a:t>
             </a:fld>
             <a:endParaRPr lang="vi-VN"/>
           </a:p>
@@ -1009,7 +1009,7 @@
           <a:p>
             <a:fld id="{EB85C7B0-6158-4E7C-B516-637FC97AC2B6}" type="datetimeFigureOut">
               <a:rPr lang="vi-VN" smtClean="0"/>
-              <a:t>03/10/2021</a:t>
+              <a:t>04/10/2021</a:t>
             </a:fld>
             <a:endParaRPr lang="vi-VN"/>
           </a:p>
@@ -1241,7 +1241,7 @@
           <a:p>
             <a:fld id="{EB85C7B0-6158-4E7C-B516-637FC97AC2B6}" type="datetimeFigureOut">
               <a:rPr lang="vi-VN" smtClean="0"/>
-              <a:t>03/10/2021</a:t>
+              <a:t>04/10/2021</a:t>
             </a:fld>
             <a:endParaRPr lang="vi-VN"/>
           </a:p>
@@ -1608,7 +1608,7 @@
           <a:p>
             <a:fld id="{EB85C7B0-6158-4E7C-B516-637FC97AC2B6}" type="datetimeFigureOut">
               <a:rPr lang="vi-VN" smtClean="0"/>
-              <a:t>03/10/2021</a:t>
+              <a:t>04/10/2021</a:t>
             </a:fld>
             <a:endParaRPr lang="vi-VN"/>
           </a:p>
@@ -1726,7 +1726,7 @@
           <a:p>
             <a:fld id="{EB85C7B0-6158-4E7C-B516-637FC97AC2B6}" type="datetimeFigureOut">
               <a:rPr lang="vi-VN" smtClean="0"/>
-              <a:t>03/10/2021</a:t>
+              <a:t>04/10/2021</a:t>
             </a:fld>
             <a:endParaRPr lang="vi-VN"/>
           </a:p>
@@ -1821,7 +1821,7 @@
           <a:p>
             <a:fld id="{EB85C7B0-6158-4E7C-B516-637FC97AC2B6}" type="datetimeFigureOut">
               <a:rPr lang="vi-VN" smtClean="0"/>
-              <a:t>03/10/2021</a:t>
+              <a:t>04/10/2021</a:t>
             </a:fld>
             <a:endParaRPr lang="vi-VN"/>
           </a:p>
@@ -2098,7 +2098,7 @@
           <a:p>
             <a:fld id="{EB85C7B0-6158-4E7C-B516-637FC97AC2B6}" type="datetimeFigureOut">
               <a:rPr lang="vi-VN" smtClean="0"/>
-              <a:t>03/10/2021</a:t>
+              <a:t>04/10/2021</a:t>
             </a:fld>
             <a:endParaRPr lang="vi-VN"/>
           </a:p>
@@ -2351,7 +2351,7 @@
           <a:p>
             <a:fld id="{EB85C7B0-6158-4E7C-B516-637FC97AC2B6}" type="datetimeFigureOut">
               <a:rPr lang="vi-VN" smtClean="0"/>
-              <a:t>03/10/2021</a:t>
+              <a:t>04/10/2021</a:t>
             </a:fld>
             <a:endParaRPr lang="vi-VN"/>
           </a:p>
@@ -2564,7 +2564,7 @@
           <a:p>
             <a:fld id="{EB85C7B0-6158-4E7C-B516-637FC97AC2B6}" type="datetimeFigureOut">
               <a:rPr lang="vi-VN" smtClean="0"/>
-              <a:t>03/10/2021</a:t>
+              <a:t>04/10/2021</a:t>
             </a:fld>
             <a:endParaRPr lang="vi-VN"/>
           </a:p>
@@ -2984,10 +2984,7 @@
             <a:avLst/>
           </a:prstGeom>
           <a:solidFill>
-            <a:schemeClr val="accent2">
-              <a:lumMod val="40000"/>
-              <a:lumOff val="60000"/>
-            </a:schemeClr>
+            <a:srgbClr val="00B050"/>
           </a:solidFill>
         </p:spPr>
         <p:style>
@@ -3011,7 +3008,11 @@
           <a:lstStyle/>
           <a:p>
             <a:pPr algn="ctr"/>
-            <a:endParaRPr lang="vi-VN"/>
+            <a:endParaRPr lang="vi-VN">
+              <a:solidFill>
+                <a:srgbClr val="00B050"/>
+              </a:solidFill>
+            </a:endParaRPr>
           </a:p>
         </p:txBody>
       </p:sp>
@@ -3153,10 +3154,7 @@
             <a:avLst/>
           </a:prstGeom>
           <a:solidFill>
-            <a:schemeClr val="accent2">
-              <a:lumMod val="40000"/>
-              <a:lumOff val="60000"/>
-            </a:schemeClr>
+            <a:srgbClr val="00B050"/>
           </a:solidFill>
         </p:spPr>
         <p:style>

--- a/doc/Data.pptx
+++ b/doc/Data.pptx
@@ -3235,10 +3235,7 @@
             <a:avLst/>
           </a:prstGeom>
           <a:solidFill>
-            <a:schemeClr val="accent2">
-              <a:lumMod val="40000"/>
-              <a:lumOff val="60000"/>
-            </a:schemeClr>
+            <a:srgbClr val="00B050"/>
           </a:solidFill>
         </p:spPr>
         <p:style>
@@ -3319,10 +3316,7 @@
             <a:avLst/>
           </a:prstGeom>
           <a:solidFill>
-            <a:schemeClr val="accent2">
-              <a:lumMod val="40000"/>
-              <a:lumOff val="60000"/>
-            </a:schemeClr>
+            <a:srgbClr val="00B050"/>
           </a:solidFill>
         </p:spPr>
         <p:style>
@@ -3395,10 +3389,7 @@
             <a:avLst/>
           </a:prstGeom>
           <a:solidFill>
-            <a:schemeClr val="accent2">
-              <a:lumMod val="40000"/>
-              <a:lumOff val="60000"/>
-            </a:schemeClr>
+            <a:srgbClr val="00B050"/>
           </a:solidFill>
         </p:spPr>
         <p:style>
@@ -3484,10 +3475,7 @@
             <a:avLst/>
           </a:prstGeom>
           <a:solidFill>
-            <a:schemeClr val="accent2">
-              <a:lumMod val="40000"/>
-              <a:lumOff val="60000"/>
-            </a:schemeClr>
+            <a:srgbClr val="00B050"/>
           </a:solidFill>
         </p:spPr>
         <p:style>
@@ -3647,7 +3635,7 @@
         <p:spPr>
           <a:xfrm>
             <a:off x="6263014" y="3739867"/>
-            <a:ext cx="1087676" cy="1436318"/>
+            <a:ext cx="891434" cy="1324824"/>
           </a:xfrm>
           <a:prstGeom prst="line">
             <a:avLst/>

--- a/doc/Data.pptx
+++ b/doc/Data.pptx
@@ -6,6 +6,7 @@
   </p:sldMasterIdLst>
   <p:sldIdLst>
     <p:sldId id="257" r:id="rId2"/>
+    <p:sldId id="258" r:id="rId3"/>
   </p:sldIdLst>
   <p:sldSz cx="12192000" cy="6858000"/>
   <p:notesSz cx="6858000" cy="9144000"/>
@@ -243,7 +244,7 @@
           <a:p>
             <a:fld id="{EB85C7B0-6158-4E7C-B516-637FC97AC2B6}" type="datetimeFigureOut">
               <a:rPr lang="vi-VN" smtClean="0"/>
-              <a:t>04/10/2021</a:t>
+              <a:t>15/10/2021</a:t>
             </a:fld>
             <a:endParaRPr lang="vi-VN"/>
           </a:p>
@@ -413,7 +414,7 @@
           <a:p>
             <a:fld id="{EB85C7B0-6158-4E7C-B516-637FC97AC2B6}" type="datetimeFigureOut">
               <a:rPr lang="vi-VN" smtClean="0"/>
-              <a:t>04/10/2021</a:t>
+              <a:t>15/10/2021</a:t>
             </a:fld>
             <a:endParaRPr lang="vi-VN"/>
           </a:p>
@@ -593,7 +594,7 @@
           <a:p>
             <a:fld id="{EB85C7B0-6158-4E7C-B516-637FC97AC2B6}" type="datetimeFigureOut">
               <a:rPr lang="vi-VN" smtClean="0"/>
-              <a:t>04/10/2021</a:t>
+              <a:t>15/10/2021</a:t>
             </a:fld>
             <a:endParaRPr lang="vi-VN"/>
           </a:p>
@@ -763,7 +764,7 @@
           <a:p>
             <a:fld id="{EB85C7B0-6158-4E7C-B516-637FC97AC2B6}" type="datetimeFigureOut">
               <a:rPr lang="vi-VN" smtClean="0"/>
-              <a:t>04/10/2021</a:t>
+              <a:t>15/10/2021</a:t>
             </a:fld>
             <a:endParaRPr lang="vi-VN"/>
           </a:p>
@@ -1009,7 +1010,7 @@
           <a:p>
             <a:fld id="{EB85C7B0-6158-4E7C-B516-637FC97AC2B6}" type="datetimeFigureOut">
               <a:rPr lang="vi-VN" smtClean="0"/>
-              <a:t>04/10/2021</a:t>
+              <a:t>15/10/2021</a:t>
             </a:fld>
             <a:endParaRPr lang="vi-VN"/>
           </a:p>
@@ -1241,7 +1242,7 @@
           <a:p>
             <a:fld id="{EB85C7B0-6158-4E7C-B516-637FC97AC2B6}" type="datetimeFigureOut">
               <a:rPr lang="vi-VN" smtClean="0"/>
-              <a:t>04/10/2021</a:t>
+              <a:t>15/10/2021</a:t>
             </a:fld>
             <a:endParaRPr lang="vi-VN"/>
           </a:p>
@@ -1608,7 +1609,7 @@
           <a:p>
             <a:fld id="{EB85C7B0-6158-4E7C-B516-637FC97AC2B6}" type="datetimeFigureOut">
               <a:rPr lang="vi-VN" smtClean="0"/>
-              <a:t>04/10/2021</a:t>
+              <a:t>15/10/2021</a:t>
             </a:fld>
             <a:endParaRPr lang="vi-VN"/>
           </a:p>
@@ -1726,7 +1727,7 @@
           <a:p>
             <a:fld id="{EB85C7B0-6158-4E7C-B516-637FC97AC2B6}" type="datetimeFigureOut">
               <a:rPr lang="vi-VN" smtClean="0"/>
-              <a:t>04/10/2021</a:t>
+              <a:t>15/10/2021</a:t>
             </a:fld>
             <a:endParaRPr lang="vi-VN"/>
           </a:p>
@@ -1821,7 +1822,7 @@
           <a:p>
             <a:fld id="{EB85C7B0-6158-4E7C-B516-637FC97AC2B6}" type="datetimeFigureOut">
               <a:rPr lang="vi-VN" smtClean="0"/>
-              <a:t>04/10/2021</a:t>
+              <a:t>15/10/2021</a:t>
             </a:fld>
             <a:endParaRPr lang="vi-VN"/>
           </a:p>
@@ -2098,7 +2099,7 @@
           <a:p>
             <a:fld id="{EB85C7B0-6158-4E7C-B516-637FC97AC2B6}" type="datetimeFigureOut">
               <a:rPr lang="vi-VN" smtClean="0"/>
-              <a:t>04/10/2021</a:t>
+              <a:t>15/10/2021</a:t>
             </a:fld>
             <a:endParaRPr lang="vi-VN"/>
           </a:p>
@@ -2351,7 +2352,7 @@
           <a:p>
             <a:fld id="{EB85C7B0-6158-4E7C-B516-637FC97AC2B6}" type="datetimeFigureOut">
               <a:rPr lang="vi-VN" smtClean="0"/>
-              <a:t>04/10/2021</a:t>
+              <a:t>15/10/2021</a:t>
             </a:fld>
             <a:endParaRPr lang="vi-VN"/>
           </a:p>
@@ -2564,7 +2565,7 @@
           <a:p>
             <a:fld id="{EB85C7B0-6158-4E7C-B516-637FC97AC2B6}" type="datetimeFigureOut">
               <a:rPr lang="vi-VN" smtClean="0"/>
-              <a:t>04/10/2021</a:t>
+              <a:t>15/10/2021</a:t>
             </a:fld>
             <a:endParaRPr lang="vi-VN"/>
           </a:p>
@@ -3736,6 +3737,692 @@
 </p:sld>
 </file>
 
+<file path=ppt/slides/slide2.xml><?xml version="1.0" encoding="utf-8"?>
+<p:sld xmlns:a="http://schemas.openxmlformats.org/drawingml/2006/main" xmlns:r="http://schemas.openxmlformats.org/officeDocument/2006/relationships" xmlns:p="http://schemas.openxmlformats.org/presentationml/2006/main">
+  <p:cSld>
+    <p:spTree>
+      <p:nvGrpSpPr>
+        <p:cNvPr id="1" name=""/>
+        <p:cNvGrpSpPr/>
+        <p:nvPr/>
+      </p:nvGrpSpPr>
+      <p:grpSpPr>
+        <a:xfrm>
+          <a:off x="0" y="0"/>
+          <a:ext cx="0" cy="0"/>
+          <a:chOff x="0" y="0"/>
+          <a:chExt cx="0" cy="0"/>
+        </a:xfrm>
+      </p:grpSpPr>
+      <p:sp>
+        <p:nvSpPr>
+          <p:cNvPr id="21" name="Rectangle 20"/>
+          <p:cNvSpPr/>
+          <p:nvPr/>
+        </p:nvSpPr>
+        <p:spPr>
+          <a:xfrm>
+            <a:off x="1066800" y="234462"/>
+            <a:ext cx="8346831" cy="4267200"/>
+          </a:xfrm>
+          <a:prstGeom prst="rect">
+            <a:avLst/>
+          </a:prstGeom>
+        </p:spPr>
+        <p:style>
+          <a:lnRef idx="2">
+            <a:schemeClr val="accent1">
+              <a:shade val="50000"/>
+            </a:schemeClr>
+          </a:lnRef>
+          <a:fillRef idx="1">
+            <a:schemeClr val="accent1"/>
+          </a:fillRef>
+          <a:effectRef idx="0">
+            <a:schemeClr val="accent1"/>
+          </a:effectRef>
+          <a:fontRef idx="minor">
+            <a:schemeClr val="lt1"/>
+          </a:fontRef>
+        </p:style>
+        <p:txBody>
+          <a:bodyPr rtlCol="0" anchor="ctr"/>
+          <a:lstStyle/>
+          <a:p>
+            <a:pPr algn="ctr"/>
+            <a:endParaRPr lang="vi-VN"/>
+          </a:p>
+        </p:txBody>
+      </p:sp>
+      <p:sp>
+        <p:nvSpPr>
+          <p:cNvPr id="2" name="TextBox 1"/>
+          <p:cNvSpPr txBox="1"/>
+          <p:nvPr/>
+        </p:nvSpPr>
+        <p:spPr>
+          <a:xfrm>
+            <a:off x="1559169" y="785446"/>
+            <a:ext cx="1840523" cy="369332"/>
+          </a:xfrm>
+          <a:prstGeom prst="rect">
+            <a:avLst/>
+          </a:prstGeom>
+          <a:noFill/>
+        </p:spPr>
+        <p:txBody>
+          <a:bodyPr wrap="square" rtlCol="0">
+            <a:spAutoFit/>
+          </a:bodyPr>
+          <a:lstStyle/>
+          <a:p>
+            <a:r>
+              <a:rPr lang="en-US" smtClean="0"/>
+              <a:t>Chọn thiết bị</a:t>
+            </a:r>
+            <a:endParaRPr lang="vi-VN"/>
+          </a:p>
+        </p:txBody>
+      </p:sp>
+      <p:sp>
+        <p:nvSpPr>
+          <p:cNvPr id="3" name="Rectangle 2"/>
+          <p:cNvSpPr/>
+          <p:nvPr/>
+        </p:nvSpPr>
+        <p:spPr>
+          <a:xfrm>
+            <a:off x="3610708" y="785446"/>
+            <a:ext cx="2004646" cy="369332"/>
+          </a:xfrm>
+          <a:prstGeom prst="rect">
+            <a:avLst/>
+          </a:prstGeom>
+        </p:spPr>
+        <p:style>
+          <a:lnRef idx="2">
+            <a:schemeClr val="accent1">
+              <a:shade val="50000"/>
+            </a:schemeClr>
+          </a:lnRef>
+          <a:fillRef idx="1">
+            <a:schemeClr val="accent1"/>
+          </a:fillRef>
+          <a:effectRef idx="0">
+            <a:schemeClr val="accent1"/>
+          </a:effectRef>
+          <a:fontRef idx="minor">
+            <a:schemeClr val="lt1"/>
+          </a:fontRef>
+        </p:style>
+        <p:txBody>
+          <a:bodyPr rtlCol="0" anchor="ctr"/>
+          <a:lstStyle/>
+          <a:p>
+            <a:pPr algn="ctr"/>
+            <a:endParaRPr lang="vi-VN"/>
+          </a:p>
+        </p:txBody>
+      </p:sp>
+      <p:sp>
+        <p:nvSpPr>
+          <p:cNvPr id="4" name="Isosceles Triangle 3"/>
+          <p:cNvSpPr/>
+          <p:nvPr/>
+        </p:nvSpPr>
+        <p:spPr>
+          <a:xfrm rot="10800000">
+            <a:off x="5263662" y="785446"/>
+            <a:ext cx="375138" cy="369332"/>
+          </a:xfrm>
+          <a:prstGeom prst="triangle">
+            <a:avLst/>
+          </a:prstGeom>
+          <a:solidFill>
+            <a:schemeClr val="tx1"/>
+          </a:solidFill>
+        </p:spPr>
+        <p:style>
+          <a:lnRef idx="2">
+            <a:schemeClr val="accent1">
+              <a:shade val="50000"/>
+            </a:schemeClr>
+          </a:lnRef>
+          <a:fillRef idx="1">
+            <a:schemeClr val="accent1"/>
+          </a:fillRef>
+          <a:effectRef idx="0">
+            <a:schemeClr val="accent1"/>
+          </a:effectRef>
+          <a:fontRef idx="minor">
+            <a:schemeClr val="lt1"/>
+          </a:fontRef>
+        </p:style>
+        <p:txBody>
+          <a:bodyPr rtlCol="0" anchor="ctr"/>
+          <a:lstStyle/>
+          <a:p>
+            <a:pPr algn="ctr"/>
+            <a:endParaRPr lang="vi-VN"/>
+          </a:p>
+        </p:txBody>
+      </p:sp>
+      <p:sp>
+        <p:nvSpPr>
+          <p:cNvPr id="19" name="TextBox 18"/>
+          <p:cNvSpPr txBox="1"/>
+          <p:nvPr/>
+        </p:nvSpPr>
+        <p:spPr>
+          <a:xfrm>
+            <a:off x="3763108" y="785446"/>
+            <a:ext cx="1477108" cy="369332"/>
+          </a:xfrm>
+          <a:prstGeom prst="rect">
+            <a:avLst/>
+          </a:prstGeom>
+          <a:noFill/>
+        </p:spPr>
+        <p:txBody>
+          <a:bodyPr wrap="square" rtlCol="0">
+            <a:spAutoFit/>
+          </a:bodyPr>
+          <a:lstStyle/>
+          <a:p>
+            <a:r>
+              <a:rPr lang="en-US" smtClean="0"/>
+              <a:t>-- Lựa chọn--</a:t>
+            </a:r>
+            <a:endParaRPr lang="vi-VN"/>
+          </a:p>
+        </p:txBody>
+      </p:sp>
+      <p:sp>
+        <p:nvSpPr>
+          <p:cNvPr id="34" name="TextBox 33"/>
+          <p:cNvSpPr txBox="1"/>
+          <p:nvPr/>
+        </p:nvSpPr>
+        <p:spPr>
+          <a:xfrm>
+            <a:off x="1559170" y="1641226"/>
+            <a:ext cx="1840523" cy="369332"/>
+          </a:xfrm>
+          <a:prstGeom prst="rect">
+            <a:avLst/>
+          </a:prstGeom>
+          <a:noFill/>
+        </p:spPr>
+        <p:txBody>
+          <a:bodyPr wrap="square" rtlCol="0">
+            <a:spAutoFit/>
+          </a:bodyPr>
+          <a:lstStyle/>
+          <a:p>
+            <a:r>
+              <a:rPr lang="en-US" smtClean="0"/>
+              <a:t>Chọn loại hạ tầng</a:t>
+            </a:r>
+            <a:endParaRPr lang="vi-VN"/>
+          </a:p>
+        </p:txBody>
+      </p:sp>
+      <p:sp>
+        <p:nvSpPr>
+          <p:cNvPr id="35" name="Rectangle 34"/>
+          <p:cNvSpPr/>
+          <p:nvPr/>
+        </p:nvSpPr>
+        <p:spPr>
+          <a:xfrm>
+            <a:off x="3610709" y="1641226"/>
+            <a:ext cx="2004646" cy="369332"/>
+          </a:xfrm>
+          <a:prstGeom prst="rect">
+            <a:avLst/>
+          </a:prstGeom>
+        </p:spPr>
+        <p:style>
+          <a:lnRef idx="2">
+            <a:schemeClr val="accent1">
+              <a:shade val="50000"/>
+            </a:schemeClr>
+          </a:lnRef>
+          <a:fillRef idx="1">
+            <a:schemeClr val="accent1"/>
+          </a:fillRef>
+          <a:effectRef idx="0">
+            <a:schemeClr val="accent1"/>
+          </a:effectRef>
+          <a:fontRef idx="minor">
+            <a:schemeClr val="lt1"/>
+          </a:fontRef>
+        </p:style>
+        <p:txBody>
+          <a:bodyPr rtlCol="0" anchor="ctr"/>
+          <a:lstStyle/>
+          <a:p>
+            <a:pPr algn="ctr"/>
+            <a:endParaRPr lang="vi-VN"/>
+          </a:p>
+        </p:txBody>
+      </p:sp>
+      <p:sp>
+        <p:nvSpPr>
+          <p:cNvPr id="36" name="Isosceles Triangle 35"/>
+          <p:cNvSpPr/>
+          <p:nvPr/>
+        </p:nvSpPr>
+        <p:spPr>
+          <a:xfrm rot="10800000">
+            <a:off x="5263663" y="1641226"/>
+            <a:ext cx="375138" cy="369332"/>
+          </a:xfrm>
+          <a:prstGeom prst="triangle">
+            <a:avLst/>
+          </a:prstGeom>
+          <a:solidFill>
+            <a:schemeClr val="tx1"/>
+          </a:solidFill>
+        </p:spPr>
+        <p:style>
+          <a:lnRef idx="2">
+            <a:schemeClr val="accent1">
+              <a:shade val="50000"/>
+            </a:schemeClr>
+          </a:lnRef>
+          <a:fillRef idx="1">
+            <a:schemeClr val="accent1"/>
+          </a:fillRef>
+          <a:effectRef idx="0">
+            <a:schemeClr val="accent1"/>
+          </a:effectRef>
+          <a:fontRef idx="minor">
+            <a:schemeClr val="lt1"/>
+          </a:fontRef>
+        </p:style>
+        <p:txBody>
+          <a:bodyPr rtlCol="0" anchor="ctr"/>
+          <a:lstStyle/>
+          <a:p>
+            <a:pPr algn="ctr"/>
+            <a:endParaRPr lang="vi-VN"/>
+          </a:p>
+        </p:txBody>
+      </p:sp>
+      <p:sp>
+        <p:nvSpPr>
+          <p:cNvPr id="37" name="TextBox 36"/>
+          <p:cNvSpPr txBox="1"/>
+          <p:nvPr/>
+        </p:nvSpPr>
+        <p:spPr>
+          <a:xfrm>
+            <a:off x="3763109" y="1641226"/>
+            <a:ext cx="1477108" cy="369332"/>
+          </a:xfrm>
+          <a:prstGeom prst="rect">
+            <a:avLst/>
+          </a:prstGeom>
+          <a:noFill/>
+        </p:spPr>
+        <p:txBody>
+          <a:bodyPr wrap="square" rtlCol="0">
+            <a:spAutoFit/>
+          </a:bodyPr>
+          <a:lstStyle/>
+          <a:p>
+            <a:r>
+              <a:rPr lang="en-US" smtClean="0"/>
+              <a:t>-- Lựa chọn--</a:t>
+            </a:r>
+            <a:endParaRPr lang="vi-VN"/>
+          </a:p>
+        </p:txBody>
+      </p:sp>
+      <p:sp>
+        <p:nvSpPr>
+          <p:cNvPr id="38" name="TextBox 37"/>
+          <p:cNvSpPr txBox="1"/>
+          <p:nvPr/>
+        </p:nvSpPr>
+        <p:spPr>
+          <a:xfrm>
+            <a:off x="1570894" y="2403222"/>
+            <a:ext cx="1840523" cy="369332"/>
+          </a:xfrm>
+          <a:prstGeom prst="rect">
+            <a:avLst/>
+          </a:prstGeom>
+          <a:noFill/>
+        </p:spPr>
+        <p:txBody>
+          <a:bodyPr wrap="square" rtlCol="0">
+            <a:spAutoFit/>
+          </a:bodyPr>
+          <a:lstStyle/>
+          <a:p>
+            <a:r>
+              <a:rPr lang="en-US" smtClean="0"/>
+              <a:t>Mã hạ tầng</a:t>
+            </a:r>
+            <a:endParaRPr lang="vi-VN"/>
+          </a:p>
+        </p:txBody>
+      </p:sp>
+      <p:sp>
+        <p:nvSpPr>
+          <p:cNvPr id="39" name="Rectangle 38"/>
+          <p:cNvSpPr/>
+          <p:nvPr/>
+        </p:nvSpPr>
+        <p:spPr>
+          <a:xfrm>
+            <a:off x="3622433" y="2403222"/>
+            <a:ext cx="2004646" cy="369332"/>
+          </a:xfrm>
+          <a:prstGeom prst="rect">
+            <a:avLst/>
+          </a:prstGeom>
+        </p:spPr>
+        <p:style>
+          <a:lnRef idx="2">
+            <a:schemeClr val="accent1">
+              <a:shade val="50000"/>
+            </a:schemeClr>
+          </a:lnRef>
+          <a:fillRef idx="1">
+            <a:schemeClr val="accent1"/>
+          </a:fillRef>
+          <a:effectRef idx="0">
+            <a:schemeClr val="accent1"/>
+          </a:effectRef>
+          <a:fontRef idx="minor">
+            <a:schemeClr val="lt1"/>
+          </a:fontRef>
+        </p:style>
+        <p:txBody>
+          <a:bodyPr rtlCol="0" anchor="ctr"/>
+          <a:lstStyle/>
+          <a:p>
+            <a:pPr algn="ctr"/>
+            <a:endParaRPr lang="vi-VN"/>
+          </a:p>
+        </p:txBody>
+      </p:sp>
+      <p:sp>
+        <p:nvSpPr>
+          <p:cNvPr id="40" name="Isosceles Triangle 39"/>
+          <p:cNvSpPr/>
+          <p:nvPr/>
+        </p:nvSpPr>
+        <p:spPr>
+          <a:xfrm rot="10800000">
+            <a:off x="5275387" y="2403222"/>
+            <a:ext cx="375138" cy="369332"/>
+          </a:xfrm>
+          <a:prstGeom prst="triangle">
+            <a:avLst/>
+          </a:prstGeom>
+          <a:solidFill>
+            <a:schemeClr val="tx1"/>
+          </a:solidFill>
+        </p:spPr>
+        <p:style>
+          <a:lnRef idx="2">
+            <a:schemeClr val="accent1">
+              <a:shade val="50000"/>
+            </a:schemeClr>
+          </a:lnRef>
+          <a:fillRef idx="1">
+            <a:schemeClr val="accent1"/>
+          </a:fillRef>
+          <a:effectRef idx="0">
+            <a:schemeClr val="accent1"/>
+          </a:effectRef>
+          <a:fontRef idx="minor">
+            <a:schemeClr val="lt1"/>
+          </a:fontRef>
+        </p:style>
+        <p:txBody>
+          <a:bodyPr rtlCol="0" anchor="ctr"/>
+          <a:lstStyle/>
+          <a:p>
+            <a:pPr algn="ctr"/>
+            <a:endParaRPr lang="vi-VN"/>
+          </a:p>
+        </p:txBody>
+      </p:sp>
+      <p:sp>
+        <p:nvSpPr>
+          <p:cNvPr id="41" name="TextBox 40"/>
+          <p:cNvSpPr txBox="1"/>
+          <p:nvPr/>
+        </p:nvSpPr>
+        <p:spPr>
+          <a:xfrm>
+            <a:off x="3774833" y="2403222"/>
+            <a:ext cx="1477108" cy="369332"/>
+          </a:xfrm>
+          <a:prstGeom prst="rect">
+            <a:avLst/>
+          </a:prstGeom>
+          <a:noFill/>
+        </p:spPr>
+        <p:txBody>
+          <a:bodyPr wrap="square" rtlCol="0">
+            <a:spAutoFit/>
+          </a:bodyPr>
+          <a:lstStyle/>
+          <a:p>
+            <a:r>
+              <a:rPr lang="en-US" smtClean="0"/>
+              <a:t>-- Lựa chọn--</a:t>
+            </a:r>
+            <a:endParaRPr lang="vi-VN"/>
+          </a:p>
+        </p:txBody>
+      </p:sp>
+      <p:sp>
+        <p:nvSpPr>
+          <p:cNvPr id="20" name="Rectangle 19"/>
+          <p:cNvSpPr/>
+          <p:nvPr/>
+        </p:nvSpPr>
+        <p:spPr>
+          <a:xfrm>
+            <a:off x="2825262" y="3804121"/>
+            <a:ext cx="1453661" cy="433754"/>
+          </a:xfrm>
+          <a:prstGeom prst="rect">
+            <a:avLst/>
+          </a:prstGeom>
+          <a:solidFill>
+            <a:schemeClr val="accent4"/>
+          </a:solidFill>
+        </p:spPr>
+        <p:style>
+          <a:lnRef idx="2">
+            <a:schemeClr val="accent1">
+              <a:shade val="50000"/>
+            </a:schemeClr>
+          </a:lnRef>
+          <a:fillRef idx="1">
+            <a:schemeClr val="accent1"/>
+          </a:fillRef>
+          <a:effectRef idx="0">
+            <a:schemeClr val="accent1"/>
+          </a:effectRef>
+          <a:fontRef idx="minor">
+            <a:schemeClr val="lt1"/>
+          </a:fontRef>
+        </p:style>
+        <p:txBody>
+          <a:bodyPr rtlCol="0" anchor="ctr"/>
+          <a:lstStyle/>
+          <a:p>
+            <a:pPr algn="ctr"/>
+            <a:r>
+              <a:rPr lang="en-US" smtClean="0"/>
+              <a:t>Thêm</a:t>
+            </a:r>
+            <a:endParaRPr lang="vi-VN"/>
+          </a:p>
+        </p:txBody>
+      </p:sp>
+      <p:sp>
+        <p:nvSpPr>
+          <p:cNvPr id="42" name="Rectangle 41"/>
+          <p:cNvSpPr/>
+          <p:nvPr/>
+        </p:nvSpPr>
+        <p:spPr>
+          <a:xfrm>
+            <a:off x="4548556" y="3804121"/>
+            <a:ext cx="1453661" cy="433754"/>
+          </a:xfrm>
+          <a:prstGeom prst="rect">
+            <a:avLst/>
+          </a:prstGeom>
+          <a:solidFill>
+            <a:srgbClr val="FF0000"/>
+          </a:solidFill>
+        </p:spPr>
+        <p:style>
+          <a:lnRef idx="2">
+            <a:schemeClr val="accent1">
+              <a:shade val="50000"/>
+            </a:schemeClr>
+          </a:lnRef>
+          <a:fillRef idx="1">
+            <a:schemeClr val="accent1"/>
+          </a:fillRef>
+          <a:effectRef idx="0">
+            <a:schemeClr val="accent1"/>
+          </a:effectRef>
+          <a:fontRef idx="minor">
+            <a:schemeClr val="lt1"/>
+          </a:fontRef>
+        </p:style>
+        <p:txBody>
+          <a:bodyPr rtlCol="0" anchor="ctr"/>
+          <a:lstStyle/>
+          <a:p>
+            <a:pPr algn="ctr"/>
+            <a:r>
+              <a:rPr lang="en-US" smtClean="0"/>
+              <a:t>Hủy</a:t>
+            </a:r>
+            <a:endParaRPr lang="vi-VN"/>
+          </a:p>
+        </p:txBody>
+      </p:sp>
+      <p:sp>
+        <p:nvSpPr>
+          <p:cNvPr id="43" name="TextBox 42"/>
+          <p:cNvSpPr txBox="1"/>
+          <p:nvPr/>
+        </p:nvSpPr>
+        <p:spPr>
+          <a:xfrm>
+            <a:off x="1570895" y="3083157"/>
+            <a:ext cx="1840523" cy="369332"/>
+          </a:xfrm>
+          <a:prstGeom prst="rect">
+            <a:avLst/>
+          </a:prstGeom>
+          <a:noFill/>
+        </p:spPr>
+        <p:txBody>
+          <a:bodyPr wrap="square" rtlCol="0">
+            <a:spAutoFit/>
+          </a:bodyPr>
+          <a:lstStyle/>
+          <a:p>
+            <a:r>
+              <a:rPr lang="en-US" smtClean="0"/>
+              <a:t>Số lượng</a:t>
+            </a:r>
+            <a:endParaRPr lang="vi-VN"/>
+          </a:p>
+        </p:txBody>
+      </p:sp>
+      <p:sp>
+        <p:nvSpPr>
+          <p:cNvPr id="44" name="Rectangle 43"/>
+          <p:cNvSpPr/>
+          <p:nvPr/>
+        </p:nvSpPr>
+        <p:spPr>
+          <a:xfrm>
+            <a:off x="3622434" y="3083157"/>
+            <a:ext cx="2004646" cy="369332"/>
+          </a:xfrm>
+          <a:prstGeom prst="rect">
+            <a:avLst/>
+          </a:prstGeom>
+        </p:spPr>
+        <p:style>
+          <a:lnRef idx="2">
+            <a:schemeClr val="accent1">
+              <a:shade val="50000"/>
+            </a:schemeClr>
+          </a:lnRef>
+          <a:fillRef idx="1">
+            <a:schemeClr val="accent1"/>
+          </a:fillRef>
+          <a:effectRef idx="0">
+            <a:schemeClr val="accent1"/>
+          </a:effectRef>
+          <a:fontRef idx="minor">
+            <a:schemeClr val="lt1"/>
+          </a:fontRef>
+        </p:style>
+        <p:txBody>
+          <a:bodyPr rtlCol="0" anchor="ctr"/>
+          <a:lstStyle/>
+          <a:p>
+            <a:pPr algn="ctr"/>
+            <a:r>
+              <a:rPr lang="en-US" smtClean="0">
+                <a:ln w="0"/>
+                <a:solidFill>
+                  <a:schemeClr val="tx1"/>
+                </a:solidFill>
+                <a:effectLst>
+                  <a:outerShdw blurRad="38100" dist="19050" dir="2700000" algn="tl" rotWithShape="0">
+                    <a:schemeClr val="dk1">
+                      <a:alpha val="40000"/>
+                    </a:schemeClr>
+                  </a:outerShdw>
+                </a:effectLst>
+              </a:rPr>
+              <a:t>1000</a:t>
+            </a:r>
+            <a:endParaRPr lang="vi-VN"/>
+          </a:p>
+        </p:txBody>
+      </p:sp>
+    </p:spTree>
+    <p:extLst>
+      <p:ext uri="{BB962C8B-B14F-4D97-AF65-F5344CB8AC3E}">
+        <p14:creationId xmlns:p14="http://schemas.microsoft.com/office/powerpoint/2010/main" val="2584322041"/>
+      </p:ext>
+    </p:extLst>
+  </p:cSld>
+  <p:clrMapOvr>
+    <a:masterClrMapping/>
+  </p:clrMapOvr>
+  <p:timing>
+    <p:tnLst>
+      <p:par>
+        <p:cTn id="1" dur="indefinite" restart="never" nodeType="tmRoot"/>
+      </p:par>
+    </p:tnLst>
+  </p:timing>
+</p:sld>
+</file>
+
 <file path=ppt/theme/theme1.xml><?xml version="1.0" encoding="utf-8"?>
 <a:theme xmlns:a="http://schemas.openxmlformats.org/drawingml/2006/main" name="Office Theme">
   <a:themeElements>
